--- a/ppt/SASS開發分享.pptx
+++ b/ppt/SASS開發分享.pptx
@@ -299,7 +299,7 @@
           <a:p>
             <a:fld id="{671E691A-92AE-46C1-BA11-8C9D3ACAB0A0}" type="datetimeFigureOut">
               <a:rPr lang="en-US" smtClean="0"/>
-              <a:t>11/11/2021</a:t>
+              <a:t>11/25/2021</a:t>
             </a:fld>
             <a:endParaRPr lang="en-US"/>
           </a:p>
@@ -497,7 +497,7 @@
           <a:p>
             <a:fld id="{671E691A-92AE-46C1-BA11-8C9D3ACAB0A0}" type="datetimeFigureOut">
               <a:rPr lang="en-US" smtClean="0"/>
-              <a:t>11/11/2021</a:t>
+              <a:t>11/25/2021</a:t>
             </a:fld>
             <a:endParaRPr lang="en-US"/>
           </a:p>
@@ -705,7 +705,7 @@
           <a:p>
             <a:fld id="{671E691A-92AE-46C1-BA11-8C9D3ACAB0A0}" type="datetimeFigureOut">
               <a:rPr lang="en-US" smtClean="0"/>
-              <a:t>11/11/2021</a:t>
+              <a:t>11/25/2021</a:t>
             </a:fld>
             <a:endParaRPr lang="en-US"/>
           </a:p>
@@ -903,7 +903,7 @@
           <a:p>
             <a:fld id="{671E691A-92AE-46C1-BA11-8C9D3ACAB0A0}" type="datetimeFigureOut">
               <a:rPr lang="en-US" smtClean="0"/>
-              <a:t>11/11/2021</a:t>
+              <a:t>11/25/2021</a:t>
             </a:fld>
             <a:endParaRPr lang="en-US"/>
           </a:p>
@@ -1178,7 +1178,7 @@
           <a:p>
             <a:fld id="{671E691A-92AE-46C1-BA11-8C9D3ACAB0A0}" type="datetimeFigureOut">
               <a:rPr lang="en-US" smtClean="0"/>
-              <a:t>11/11/2021</a:t>
+              <a:t>11/25/2021</a:t>
             </a:fld>
             <a:endParaRPr lang="en-US"/>
           </a:p>
@@ -1443,7 +1443,7 @@
           <a:p>
             <a:fld id="{671E691A-92AE-46C1-BA11-8C9D3ACAB0A0}" type="datetimeFigureOut">
               <a:rPr lang="en-US" smtClean="0"/>
-              <a:t>11/11/2021</a:t>
+              <a:t>11/25/2021</a:t>
             </a:fld>
             <a:endParaRPr lang="en-US"/>
           </a:p>
@@ -1855,7 +1855,7 @@
           <a:p>
             <a:fld id="{671E691A-92AE-46C1-BA11-8C9D3ACAB0A0}" type="datetimeFigureOut">
               <a:rPr lang="en-US" smtClean="0"/>
-              <a:t>11/11/2021</a:t>
+              <a:t>11/25/2021</a:t>
             </a:fld>
             <a:endParaRPr lang="en-US"/>
           </a:p>
@@ -1996,7 +1996,7 @@
           <a:p>
             <a:fld id="{671E691A-92AE-46C1-BA11-8C9D3ACAB0A0}" type="datetimeFigureOut">
               <a:rPr lang="en-US" smtClean="0"/>
-              <a:t>11/11/2021</a:t>
+              <a:t>11/25/2021</a:t>
             </a:fld>
             <a:endParaRPr lang="en-US"/>
           </a:p>
@@ -2109,7 +2109,7 @@
           <a:p>
             <a:fld id="{671E691A-92AE-46C1-BA11-8C9D3ACAB0A0}" type="datetimeFigureOut">
               <a:rPr lang="en-US" smtClean="0"/>
-              <a:t>11/11/2021</a:t>
+              <a:t>11/25/2021</a:t>
             </a:fld>
             <a:endParaRPr lang="en-US"/>
           </a:p>
@@ -2420,7 +2420,7 @@
           <a:p>
             <a:fld id="{671E691A-92AE-46C1-BA11-8C9D3ACAB0A0}" type="datetimeFigureOut">
               <a:rPr lang="en-US" smtClean="0"/>
-              <a:t>11/11/2021</a:t>
+              <a:t>11/25/2021</a:t>
             </a:fld>
             <a:endParaRPr lang="en-US"/>
           </a:p>
@@ -2708,7 +2708,7 @@
           <a:p>
             <a:fld id="{671E691A-92AE-46C1-BA11-8C9D3ACAB0A0}" type="datetimeFigureOut">
               <a:rPr lang="en-US" smtClean="0"/>
-              <a:t>11/11/2021</a:t>
+              <a:t>11/25/2021</a:t>
             </a:fld>
             <a:endParaRPr lang="en-US"/>
           </a:p>
@@ -2949,7 +2949,7 @@
           <a:p>
             <a:fld id="{671E691A-92AE-46C1-BA11-8C9D3ACAB0A0}" type="datetimeFigureOut">
               <a:rPr lang="en-US" smtClean="0"/>
-              <a:t>11/11/2021</a:t>
+              <a:t>11/25/2021</a:t>
             </a:fld>
             <a:endParaRPr lang="en-US"/>
           </a:p>
@@ -3422,8 +3422,12 @@
           <a:lstStyle/>
           <a:p>
             <a:r>
+              <a:rPr lang="en-US" altLang="zh-TW" dirty="0"/>
+              <a:t>Speak</a:t>
+            </a:r>
+            <a:r>
               <a:rPr lang="en-US" dirty="0"/>
-              <a:t>Writer: Kyle Lin</a:t>
+              <a:t>er: Kyle Lin</a:t>
             </a:r>
           </a:p>
         </p:txBody>
